--- a/完成モデル/工夫点.pptx
+++ b/完成モデル/工夫点.pptx
@@ -4209,7 +4209,7 @@
           <p:nvPr>
             <p:extLst>
               <p:ext uri="{D42A27DB-BD31-4B8C-83A1-F6EECF244321}">
-                <p14:modId xmlns:p14="http://schemas.microsoft.com/office/powerpoint/2010/main" val="3479089029"/>
+                <p14:modId xmlns:p14="http://schemas.microsoft.com/office/powerpoint/2010/main" val="3672576818"/>
               </p:ext>
             </p:extLst>
           </p:nvPr>
@@ -4422,13 +4422,19 @@
                     <a:p>
                       <a:pPr algn="ctr"/>
                       <a:r>
-                        <a:rPr kumimoji="1" lang="en-US" altLang="ja-JP" sz="1050" dirty="0">
+                        <a:rPr kumimoji="1" lang="en-US" altLang="ja-JP" sz="1050" b="1" dirty="0">
+                          <a:solidFill>
+                            <a:srgbClr val="00ADBB"/>
+                          </a:solidFill>
                           <a:latin typeface="Meiryo" panose="020B0604030504040204" pitchFamily="34" charset="-128"/>
                           <a:ea typeface="Meiryo" panose="020B0604030504040204" pitchFamily="34" charset="-128"/>
                         </a:rPr>
                         <a:t>0</a:t>
                       </a:r>
-                      <a:endParaRPr kumimoji="1" lang="ja-JP" altLang="en-US" sz="1050">
+                      <a:endParaRPr kumimoji="1" lang="ja-JP" altLang="en-US" sz="1050" b="1" dirty="0">
+                        <a:solidFill>
+                          <a:srgbClr val="00ADBB"/>
+                        </a:solidFill>
                         <a:latin typeface="Meiryo" panose="020B0604030504040204" pitchFamily="34" charset="-128"/>
                         <a:ea typeface="Meiryo" panose="020B0604030504040204" pitchFamily="34" charset="-128"/>
                       </a:endParaRPr>
@@ -4509,13 +4515,19 @@
                     <a:p>
                       <a:pPr algn="ctr"/>
                       <a:r>
-                        <a:rPr kumimoji="1" lang="en-US" altLang="ja-JP" sz="1050" dirty="0">
+                        <a:rPr kumimoji="1" lang="en-US" altLang="ja-JP" sz="1050" b="1" dirty="0">
+                          <a:solidFill>
+                            <a:srgbClr val="E10000"/>
+                          </a:solidFill>
                           <a:latin typeface="Meiryo" panose="020B0604030504040204" pitchFamily="34" charset="-128"/>
                           <a:ea typeface="Meiryo" panose="020B0604030504040204" pitchFamily="34" charset="-128"/>
                         </a:rPr>
                         <a:t>2</a:t>
                       </a:r>
-                      <a:endParaRPr kumimoji="1" lang="ja-JP" altLang="en-US" sz="1050">
+                      <a:endParaRPr kumimoji="1" lang="ja-JP" altLang="en-US" sz="1050" b="1" dirty="0">
+                        <a:solidFill>
+                          <a:srgbClr val="E10000"/>
+                        </a:solidFill>
                         <a:latin typeface="Meiryo" panose="020B0604030504040204" pitchFamily="34" charset="-128"/>
                         <a:ea typeface="Meiryo" panose="020B0604030504040204" pitchFamily="34" charset="-128"/>
                       </a:endParaRPr>
@@ -4600,13 +4612,19 @@
                     <a:p>
                       <a:pPr algn="ctr"/>
                       <a:r>
-                        <a:rPr kumimoji="1" lang="en-US" altLang="ja-JP" sz="1050" dirty="0">
+                        <a:rPr kumimoji="1" lang="en-US" altLang="ja-JP" sz="1050" b="1" dirty="0">
+                          <a:solidFill>
+                            <a:srgbClr val="00ADBB"/>
+                          </a:solidFill>
                           <a:latin typeface="Meiryo" panose="020B0604030504040204" pitchFamily="34" charset="-128"/>
                           <a:ea typeface="Meiryo" panose="020B0604030504040204" pitchFamily="34" charset="-128"/>
                         </a:rPr>
                         <a:t>0</a:t>
                       </a:r>
-                      <a:endParaRPr kumimoji="1" lang="ja-JP" altLang="en-US" sz="1050">
+                      <a:endParaRPr kumimoji="1" lang="ja-JP" altLang="en-US" sz="1050" b="1" dirty="0">
+                        <a:solidFill>
+                          <a:srgbClr val="00ADBB"/>
+                        </a:solidFill>
                         <a:latin typeface="Meiryo" panose="020B0604030504040204" pitchFamily="34" charset="-128"/>
                         <a:ea typeface="Meiryo" panose="020B0604030504040204" pitchFamily="34" charset="-128"/>
                       </a:endParaRPr>
@@ -4691,13 +4709,19 @@
                     <a:p>
                       <a:pPr algn="ctr"/>
                       <a:r>
-                        <a:rPr kumimoji="1" lang="en-US" altLang="ja-JP" sz="1050" dirty="0">
+                        <a:rPr kumimoji="1" lang="en-US" altLang="ja-JP" sz="1050" b="1" dirty="0">
+                          <a:solidFill>
+                            <a:srgbClr val="FEBF12"/>
+                          </a:solidFill>
                           <a:latin typeface="Meiryo" panose="020B0604030504040204" pitchFamily="34" charset="-128"/>
                           <a:ea typeface="Meiryo" panose="020B0604030504040204" pitchFamily="34" charset="-128"/>
                         </a:rPr>
                         <a:t>1</a:t>
                       </a:r>
-                      <a:endParaRPr kumimoji="1" lang="ja-JP" altLang="en-US" sz="1050">
+                      <a:endParaRPr kumimoji="1" lang="ja-JP" altLang="en-US" sz="1050" b="1" dirty="0">
+                        <a:solidFill>
+                          <a:srgbClr val="FEBF12"/>
+                        </a:solidFill>
                         <a:latin typeface="Meiryo" panose="020B0604030504040204" pitchFamily="34" charset="-128"/>
                         <a:ea typeface="Meiryo" panose="020B0604030504040204" pitchFamily="34" charset="-128"/>
                       </a:endParaRPr>
@@ -4782,13 +4806,19 @@
                     <a:p>
                       <a:pPr algn="ctr"/>
                       <a:r>
-                        <a:rPr kumimoji="1" lang="en-US" altLang="ja-JP" sz="1050" dirty="0">
+                        <a:rPr kumimoji="1" lang="en-US" altLang="ja-JP" sz="1050" b="1" dirty="0">
+                          <a:solidFill>
+                            <a:srgbClr val="94349B"/>
+                          </a:solidFill>
                           <a:latin typeface="Meiryo" panose="020B0604030504040204" pitchFamily="34" charset="-128"/>
                           <a:ea typeface="Meiryo" panose="020B0604030504040204" pitchFamily="34" charset="-128"/>
                         </a:rPr>
                         <a:t>3</a:t>
                       </a:r>
-                      <a:endParaRPr kumimoji="1" lang="ja-JP" altLang="en-US" sz="1050">
+                      <a:endParaRPr kumimoji="1" lang="ja-JP" altLang="en-US" sz="1050" b="1" dirty="0">
+                        <a:solidFill>
+                          <a:srgbClr val="94349B"/>
+                        </a:solidFill>
                         <a:latin typeface="Meiryo" panose="020B0604030504040204" pitchFamily="34" charset="-128"/>
                         <a:ea typeface="Meiryo" panose="020B0604030504040204" pitchFamily="34" charset="-128"/>
                       </a:endParaRPr>
@@ -4873,13 +4903,19 @@
                     <a:p>
                       <a:pPr algn="ctr"/>
                       <a:r>
-                        <a:rPr kumimoji="1" lang="en-US" altLang="ja-JP" sz="1050" dirty="0">
+                        <a:rPr kumimoji="1" lang="en-US" altLang="ja-JP" sz="1050" b="1" dirty="0">
+                          <a:solidFill>
+                            <a:srgbClr val="94349B"/>
+                          </a:solidFill>
                           <a:latin typeface="Meiryo" panose="020B0604030504040204" pitchFamily="34" charset="-128"/>
                           <a:ea typeface="Meiryo" panose="020B0604030504040204" pitchFamily="34" charset="-128"/>
                         </a:rPr>
                         <a:t>3</a:t>
                       </a:r>
-                      <a:endParaRPr kumimoji="1" lang="ja-JP" altLang="en-US" sz="1050">
+                      <a:endParaRPr kumimoji="1" lang="ja-JP" altLang="en-US" sz="1050" b="1" dirty="0">
+                        <a:solidFill>
+                          <a:srgbClr val="94349B"/>
+                        </a:solidFill>
                         <a:latin typeface="Meiryo" panose="020B0604030504040204" pitchFamily="34" charset="-128"/>
                         <a:ea typeface="Meiryo" panose="020B0604030504040204" pitchFamily="34" charset="-128"/>
                       </a:endParaRPr>
@@ -4964,13 +5000,19 @@
                     <a:p>
                       <a:pPr algn="ctr"/>
                       <a:r>
-                        <a:rPr kumimoji="1" lang="en-US" altLang="ja-JP" sz="1050" dirty="0">
+                        <a:rPr kumimoji="1" lang="en-US" altLang="ja-JP" sz="1050" b="1" dirty="0">
+                          <a:solidFill>
+                            <a:srgbClr val="E10000"/>
+                          </a:solidFill>
                           <a:latin typeface="Meiryo" panose="020B0604030504040204" pitchFamily="34" charset="-128"/>
                           <a:ea typeface="Meiryo" panose="020B0604030504040204" pitchFamily="34" charset="-128"/>
                         </a:rPr>
                         <a:t>2</a:t>
                       </a:r>
-                      <a:endParaRPr kumimoji="1" lang="ja-JP" altLang="en-US" sz="1050">
+                      <a:endParaRPr kumimoji="1" lang="ja-JP" altLang="en-US" sz="1050" b="1" dirty="0">
+                        <a:solidFill>
+                          <a:srgbClr val="E10000"/>
+                        </a:solidFill>
                         <a:latin typeface="Meiryo" panose="020B0604030504040204" pitchFamily="34" charset="-128"/>
                         <a:ea typeface="Meiryo" panose="020B0604030504040204" pitchFamily="34" charset="-128"/>
                       </a:endParaRPr>
@@ -5055,13 +5097,19 @@
                     <a:p>
                       <a:pPr algn="ctr"/>
                       <a:r>
-                        <a:rPr kumimoji="1" lang="en-US" altLang="ja-JP" sz="1050" dirty="0">
+                        <a:rPr kumimoji="1" lang="en-US" altLang="ja-JP" sz="1050" b="1" dirty="0">
+                          <a:solidFill>
+                            <a:srgbClr val="00ADBB"/>
+                          </a:solidFill>
                           <a:latin typeface="Meiryo" panose="020B0604030504040204" pitchFamily="34" charset="-128"/>
                           <a:ea typeface="Meiryo" panose="020B0604030504040204" pitchFamily="34" charset="-128"/>
                         </a:rPr>
                         <a:t>0</a:t>
                       </a:r>
-                      <a:endParaRPr kumimoji="1" lang="ja-JP" altLang="en-US" sz="1050">
+                      <a:endParaRPr kumimoji="1" lang="ja-JP" altLang="en-US" sz="1050" b="1" dirty="0">
+                        <a:solidFill>
+                          <a:srgbClr val="00ADBB"/>
+                        </a:solidFill>
                         <a:latin typeface="Meiryo" panose="020B0604030504040204" pitchFamily="34" charset="-128"/>
                         <a:ea typeface="Meiryo" panose="020B0604030504040204" pitchFamily="34" charset="-128"/>
                       </a:endParaRPr>
@@ -5146,13 +5194,19 @@
                     <a:p>
                       <a:pPr algn="ctr"/>
                       <a:r>
-                        <a:rPr kumimoji="1" lang="en-US" altLang="ja-JP" sz="1050" dirty="0">
+                        <a:rPr kumimoji="1" lang="en-US" altLang="ja-JP" sz="1050" b="1" dirty="0">
+                          <a:solidFill>
+                            <a:srgbClr val="FEBF12"/>
+                          </a:solidFill>
                           <a:latin typeface="Meiryo" panose="020B0604030504040204" pitchFamily="34" charset="-128"/>
                           <a:ea typeface="Meiryo" panose="020B0604030504040204" pitchFamily="34" charset="-128"/>
                         </a:rPr>
                         <a:t>1</a:t>
                       </a:r>
-                      <a:endParaRPr kumimoji="1" lang="ja-JP" altLang="en-US" sz="1050">
+                      <a:endParaRPr kumimoji="1" lang="ja-JP" altLang="en-US" sz="1050" b="1" dirty="0">
+                        <a:solidFill>
+                          <a:srgbClr val="FEBF12"/>
+                        </a:solidFill>
                         <a:latin typeface="Meiryo" panose="020B0604030504040204" pitchFamily="34" charset="-128"/>
                         <a:ea typeface="Meiryo" panose="020B0604030504040204" pitchFamily="34" charset="-128"/>
                       </a:endParaRPr>
@@ -5237,13 +5291,19 @@
                     <a:p>
                       <a:pPr algn="ctr"/>
                       <a:r>
-                        <a:rPr kumimoji="1" lang="en-US" altLang="ja-JP" sz="1050" dirty="0">
+                        <a:rPr kumimoji="1" lang="en-US" altLang="ja-JP" sz="1050" b="1" dirty="0">
+                          <a:solidFill>
+                            <a:srgbClr val="00ADBB"/>
+                          </a:solidFill>
                           <a:latin typeface="Meiryo" panose="020B0604030504040204" pitchFamily="34" charset="-128"/>
                           <a:ea typeface="Meiryo" panose="020B0604030504040204" pitchFamily="34" charset="-128"/>
                         </a:rPr>
                         <a:t>0</a:t>
                       </a:r>
-                      <a:endParaRPr kumimoji="1" lang="ja-JP" altLang="en-US" sz="1050">
+                      <a:endParaRPr kumimoji="1" lang="ja-JP" altLang="en-US" sz="1050" b="1" dirty="0">
+                        <a:solidFill>
+                          <a:srgbClr val="00ADBB"/>
+                        </a:solidFill>
                         <a:latin typeface="Meiryo" panose="020B0604030504040204" pitchFamily="34" charset="-128"/>
                         <a:ea typeface="Meiryo" panose="020B0604030504040204" pitchFamily="34" charset="-128"/>
                       </a:endParaRPr>
@@ -5328,13 +5388,19 @@
                     <a:p>
                       <a:pPr algn="ctr"/>
                       <a:r>
-                        <a:rPr kumimoji="1" lang="en-US" altLang="ja-JP" sz="1050" dirty="0">
+                        <a:rPr kumimoji="1" lang="en-US" altLang="ja-JP" sz="1050" b="1" dirty="0">
+                          <a:solidFill>
+                            <a:srgbClr val="FEBF12"/>
+                          </a:solidFill>
                           <a:latin typeface="Meiryo" panose="020B0604030504040204" pitchFamily="34" charset="-128"/>
                           <a:ea typeface="Meiryo" panose="020B0604030504040204" pitchFamily="34" charset="-128"/>
                         </a:rPr>
                         <a:t>1</a:t>
                       </a:r>
-                      <a:endParaRPr kumimoji="1" lang="ja-JP" altLang="en-US" sz="1050">
+                      <a:endParaRPr kumimoji="1" lang="ja-JP" altLang="en-US" sz="1050" b="1" dirty="0">
+                        <a:solidFill>
+                          <a:srgbClr val="FEBF12"/>
+                        </a:solidFill>
                         <a:latin typeface="Meiryo" panose="020B0604030504040204" pitchFamily="34" charset="-128"/>
                         <a:ea typeface="Meiryo" panose="020B0604030504040204" pitchFamily="34" charset="-128"/>
                       </a:endParaRPr>
@@ -5419,13 +5485,19 @@
                     <a:p>
                       <a:pPr algn="ctr"/>
                       <a:r>
-                        <a:rPr kumimoji="1" lang="en-US" altLang="ja-JP" sz="1050" dirty="0">
+                        <a:rPr kumimoji="1" lang="en-US" altLang="ja-JP" sz="1050" b="1" dirty="0">
+                          <a:solidFill>
+                            <a:srgbClr val="00ADBB"/>
+                          </a:solidFill>
                           <a:latin typeface="Meiryo" panose="020B0604030504040204" pitchFamily="34" charset="-128"/>
                           <a:ea typeface="Meiryo" panose="020B0604030504040204" pitchFamily="34" charset="-128"/>
                         </a:rPr>
                         <a:t>0</a:t>
                       </a:r>
-                      <a:endParaRPr kumimoji="1" lang="ja-JP" altLang="en-US" sz="1050">
+                      <a:endParaRPr kumimoji="1" lang="ja-JP" altLang="en-US" sz="1050" b="1" dirty="0">
+                        <a:solidFill>
+                          <a:srgbClr val="00ADBB"/>
+                        </a:solidFill>
                         <a:latin typeface="Meiryo" panose="020B0604030504040204" pitchFamily="34" charset="-128"/>
                         <a:ea typeface="Meiryo" panose="020B0604030504040204" pitchFamily="34" charset="-128"/>
                       </a:endParaRPr>
@@ -5510,13 +5582,19 @@
                     <a:p>
                       <a:pPr algn="ctr"/>
                       <a:r>
-                        <a:rPr kumimoji="1" lang="en-US" altLang="ja-JP" sz="1050" dirty="0">
+                        <a:rPr kumimoji="1" lang="en-US" altLang="ja-JP" sz="1050" b="1" dirty="0">
+                          <a:solidFill>
+                            <a:srgbClr val="E10000"/>
+                          </a:solidFill>
                           <a:latin typeface="Meiryo" panose="020B0604030504040204" pitchFamily="34" charset="-128"/>
                           <a:ea typeface="Meiryo" panose="020B0604030504040204" pitchFamily="34" charset="-128"/>
                         </a:rPr>
                         <a:t>2</a:t>
                       </a:r>
-                      <a:endParaRPr kumimoji="1" lang="ja-JP" altLang="en-US" sz="1050">
+                      <a:endParaRPr kumimoji="1" lang="ja-JP" altLang="en-US" sz="1050" b="1" dirty="0">
+                        <a:solidFill>
+                          <a:srgbClr val="E10000"/>
+                        </a:solidFill>
                         <a:latin typeface="Meiryo" panose="020B0604030504040204" pitchFamily="34" charset="-128"/>
                         <a:ea typeface="Meiryo" panose="020B0604030504040204" pitchFamily="34" charset="-128"/>
                       </a:endParaRPr>
@@ -5601,13 +5679,19 @@
                     <a:p>
                       <a:pPr algn="ctr"/>
                       <a:r>
-                        <a:rPr kumimoji="1" lang="en-US" altLang="ja-JP" sz="1050" dirty="0">
+                        <a:rPr kumimoji="1" lang="en-US" altLang="ja-JP" sz="1050" b="1" dirty="0">
+                          <a:solidFill>
+                            <a:srgbClr val="94349B"/>
+                          </a:solidFill>
                           <a:latin typeface="Meiryo" panose="020B0604030504040204" pitchFamily="34" charset="-128"/>
                           <a:ea typeface="Meiryo" panose="020B0604030504040204" pitchFamily="34" charset="-128"/>
                         </a:rPr>
                         <a:t>3</a:t>
                       </a:r>
-                      <a:endParaRPr kumimoji="1" lang="ja-JP" altLang="en-US" sz="1050">
+                      <a:endParaRPr kumimoji="1" lang="ja-JP" altLang="en-US" sz="1050" b="1" dirty="0">
+                        <a:solidFill>
+                          <a:srgbClr val="94349B"/>
+                        </a:solidFill>
                         <a:latin typeface="Meiryo" panose="020B0604030504040204" pitchFamily="34" charset="-128"/>
                         <a:ea typeface="Meiryo" panose="020B0604030504040204" pitchFamily="34" charset="-128"/>
                       </a:endParaRPr>
@@ -5692,13 +5776,19 @@
                     <a:p>
                       <a:pPr algn="ctr"/>
                       <a:r>
-                        <a:rPr kumimoji="1" lang="en-US" altLang="ja-JP" sz="1050" dirty="0">
+                        <a:rPr kumimoji="1" lang="en-US" altLang="ja-JP" sz="1050" b="1" dirty="0">
+                          <a:solidFill>
+                            <a:srgbClr val="00ADBB"/>
+                          </a:solidFill>
                           <a:latin typeface="Meiryo" panose="020B0604030504040204" pitchFamily="34" charset="-128"/>
                           <a:ea typeface="Meiryo" panose="020B0604030504040204" pitchFamily="34" charset="-128"/>
                         </a:rPr>
                         <a:t>0</a:t>
                       </a:r>
-                      <a:endParaRPr kumimoji="1" lang="ja-JP" altLang="en-US" sz="1050">
+                      <a:endParaRPr kumimoji="1" lang="ja-JP" altLang="en-US" sz="1050" b="1" dirty="0">
+                        <a:solidFill>
+                          <a:srgbClr val="00ADBB"/>
+                        </a:solidFill>
                         <a:latin typeface="Meiryo" panose="020B0604030504040204" pitchFamily="34" charset="-128"/>
                         <a:ea typeface="Meiryo" panose="020B0604030504040204" pitchFamily="34" charset="-128"/>
                       </a:endParaRPr>
